--- a/Agile Business Analysis/Speed boat exercise.pptx
+++ b/Agile Business Analysis/Speed boat exercise.pptx
@@ -1,22 +1,399 @@
 
 <file path=ppt/presentation.xml><?xml version="1.0" encoding="utf-8"?>
-<p:presentation xmlns:a="http://schemas.openxmlformats.org/drawingml/2006/main" xmlns:p="http://schemas.openxmlformats.org/presentationml/2006/main" xmlns:r="http://schemas.openxmlformats.org/officeDocument/2006/relationships">
+<p:presentation xmlns:a="http://schemas.openxmlformats.org/drawingml/2006/main" xmlns:r="http://schemas.openxmlformats.org/officeDocument/2006/relationships" xmlns:p="http://schemas.openxmlformats.org/presentationml/2006/main" saveSubsetFonts="1">
   <p:sldMasterIdLst>
-    <p:sldMasterId id="2147483648" r:id="rId2"/>
+    <p:sldMasterId id="2147483648" r:id="rId1"/>
   </p:sldMasterIdLst>
   <p:notesMasterIdLst>
     <p:notesMasterId r:id="rId3"/>
   </p:notesMasterIdLst>
   <p:sldIdLst>
-    <p:sldId id="256" r:id="rId4"/>
+    <p:sldId id="256" r:id="rId2"/>
   </p:sldIdLst>
-  <p:sldSz cx="9144000" cy="6858000"/>
+  <p:sldSz cx="9144000" cy="6858000" type="screen4x3"/>
   <p:notesSz cx="6858000" cy="9144000"/>
+  <p:defaultTextStyle>
+    <a:defPPr>
+      <a:defRPr lang="en-US"/>
+    </a:defPPr>
+    <a:lvl1pPr marL="0" algn="l" defTabSz="914400" rtl="0" eaLnBrk="1" latinLnBrk="0" hangingPunct="1">
+      <a:defRPr sz="1800" kern="1200">
+        <a:solidFill>
+          <a:schemeClr val="tx1"/>
+        </a:solidFill>
+        <a:latin typeface="+mn-lt"/>
+        <a:ea typeface="+mn-ea"/>
+        <a:cs typeface="+mn-cs"/>
+      </a:defRPr>
+    </a:lvl1pPr>
+    <a:lvl2pPr marL="457200" algn="l" defTabSz="914400" rtl="0" eaLnBrk="1" latinLnBrk="0" hangingPunct="1">
+      <a:defRPr sz="1800" kern="1200">
+        <a:solidFill>
+          <a:schemeClr val="tx1"/>
+        </a:solidFill>
+        <a:latin typeface="+mn-lt"/>
+        <a:ea typeface="+mn-ea"/>
+        <a:cs typeface="+mn-cs"/>
+      </a:defRPr>
+    </a:lvl2pPr>
+    <a:lvl3pPr marL="914400" algn="l" defTabSz="914400" rtl="0" eaLnBrk="1" latinLnBrk="0" hangingPunct="1">
+      <a:defRPr sz="1800" kern="1200">
+        <a:solidFill>
+          <a:schemeClr val="tx1"/>
+        </a:solidFill>
+        <a:latin typeface="+mn-lt"/>
+        <a:ea typeface="+mn-ea"/>
+        <a:cs typeface="+mn-cs"/>
+      </a:defRPr>
+    </a:lvl3pPr>
+    <a:lvl4pPr marL="1371600" algn="l" defTabSz="914400" rtl="0" eaLnBrk="1" latinLnBrk="0" hangingPunct="1">
+      <a:defRPr sz="1800" kern="1200">
+        <a:solidFill>
+          <a:schemeClr val="tx1"/>
+        </a:solidFill>
+        <a:latin typeface="+mn-lt"/>
+        <a:ea typeface="+mn-ea"/>
+        <a:cs typeface="+mn-cs"/>
+      </a:defRPr>
+    </a:lvl4pPr>
+    <a:lvl5pPr marL="1828800" algn="l" defTabSz="914400" rtl="0" eaLnBrk="1" latinLnBrk="0" hangingPunct="1">
+      <a:defRPr sz="1800" kern="1200">
+        <a:solidFill>
+          <a:schemeClr val="tx1"/>
+        </a:solidFill>
+        <a:latin typeface="+mn-lt"/>
+        <a:ea typeface="+mn-ea"/>
+        <a:cs typeface="+mn-cs"/>
+      </a:defRPr>
+    </a:lvl5pPr>
+    <a:lvl6pPr marL="2286000" algn="l" defTabSz="914400" rtl="0" eaLnBrk="1" latinLnBrk="0" hangingPunct="1">
+      <a:defRPr sz="1800" kern="1200">
+        <a:solidFill>
+          <a:schemeClr val="tx1"/>
+        </a:solidFill>
+        <a:latin typeface="+mn-lt"/>
+        <a:ea typeface="+mn-ea"/>
+        <a:cs typeface="+mn-cs"/>
+      </a:defRPr>
+    </a:lvl6pPr>
+    <a:lvl7pPr marL="2743200" algn="l" defTabSz="914400" rtl="0" eaLnBrk="1" latinLnBrk="0" hangingPunct="1">
+      <a:defRPr sz="1800" kern="1200">
+        <a:solidFill>
+          <a:schemeClr val="tx1"/>
+        </a:solidFill>
+        <a:latin typeface="+mn-lt"/>
+        <a:ea typeface="+mn-ea"/>
+        <a:cs typeface="+mn-cs"/>
+      </a:defRPr>
+    </a:lvl7pPr>
+    <a:lvl8pPr marL="3200400" algn="l" defTabSz="914400" rtl="0" eaLnBrk="1" latinLnBrk="0" hangingPunct="1">
+      <a:defRPr sz="1800" kern="1200">
+        <a:solidFill>
+          <a:schemeClr val="tx1"/>
+        </a:solidFill>
+        <a:latin typeface="+mn-lt"/>
+        <a:ea typeface="+mn-ea"/>
+        <a:cs typeface="+mn-cs"/>
+      </a:defRPr>
+    </a:lvl8pPr>
+    <a:lvl9pPr marL="3657600" algn="l" defTabSz="914400" rtl="0" eaLnBrk="1" latinLnBrk="0" hangingPunct="1">
+      <a:defRPr sz="1800" kern="1200">
+        <a:solidFill>
+          <a:schemeClr val="tx1"/>
+        </a:solidFill>
+        <a:latin typeface="+mn-lt"/>
+        <a:ea typeface="+mn-ea"/>
+        <a:cs typeface="+mn-cs"/>
+      </a:defRPr>
+    </a:lvl9pPr>
+  </p:defaultTextStyle>
 </p:presentation>
 </file>
 
 <file path=ppt/notesMasters/notesMaster1.xml><?xml version="1.0" encoding="utf-8"?>
-<p:notesMaster xmlns:a="http://schemas.openxmlformats.org/drawingml/2006/main" xmlns:p="http://schemas.openxmlformats.org/presentationml/2006/main" xmlns:r="http://schemas.openxmlformats.org/officeDocument/2006/relationships">
+<p:notesMaster xmlns:a="http://schemas.openxmlformats.org/drawingml/2006/main" xmlns:r="http://schemas.openxmlformats.org/officeDocument/2006/relationships" xmlns:p="http://schemas.openxmlformats.org/presentationml/2006/main">
+  <p:cSld>
+    <p:bg>
+      <p:bgRef idx="1001">
+        <a:schemeClr val="bg1"/>
+      </p:bgRef>
+    </p:bg>
+    <p:spTree>
+      <p:nvGrpSpPr>
+        <p:cNvPr id="1" name=""/>
+        <p:cNvGrpSpPr/>
+        <p:nvPr/>
+      </p:nvGrpSpPr>
+      <p:grpSpPr>
+        <a:xfrm>
+          <a:off x="0" y="0"/>
+          <a:ext cx="0" cy="0"/>
+          <a:chOff x="0" y="0"/>
+          <a:chExt cx="0" cy="0"/>
+        </a:xfrm>
+      </p:grpSpPr>
+      <p:sp>
+        <p:nvSpPr>
+          <p:cNvPr id="38" name="PlaceHolder 1"/>
+          <p:cNvSpPr>
+            <a:spLocks noGrp="1"/>
+          </p:cNvSpPr>
+          <p:nvPr>
+            <p:ph type="body"/>
+          </p:nvPr>
+        </p:nvSpPr>
+        <p:spPr>
+          <a:xfrm>
+            <a:off x="777240" y="4777560"/>
+            <a:ext cx="6217560" cy="4525920"/>
+          </a:xfrm>
+          <a:prstGeom prst="rect">
+            <a:avLst/>
+          </a:prstGeom>
+        </p:spPr>
+        <p:txBody>
+          <a:bodyPr wrap="none" lIns="0" tIns="0" rIns="0" bIns="0"/>
+          <a:lstStyle/>
+          <a:p>
+            <a:r>
+              <a:rPr lang="en-US"/>
+              <a:t>Click to edit the notes format</a:t>
+            </a:r>
+            <a:endParaRPr/>
+          </a:p>
+        </p:txBody>
+      </p:sp>
+      <p:sp>
+        <p:nvSpPr>
+          <p:cNvPr id="39" name="PlaceHolder 2"/>
+          <p:cNvSpPr>
+            <a:spLocks noGrp="1"/>
+          </p:cNvSpPr>
+          <p:nvPr>
+            <p:ph type="hdr"/>
+          </p:nvPr>
+        </p:nvSpPr>
+        <p:spPr>
+          <a:xfrm>
+            <a:off x="0" y="0"/>
+            <a:ext cx="3372840" cy="502560"/>
+          </a:xfrm>
+          <a:prstGeom prst="rect">
+            <a:avLst/>
+          </a:prstGeom>
+        </p:spPr>
+        <p:txBody>
+          <a:bodyPr wrap="none" lIns="0" tIns="0" rIns="0" bIns="0"/>
+          <a:lstStyle/>
+          <a:p>
+            <a:r>
+              <a:rPr lang="en-US"/>
+              <a:t>&lt;header&gt;</a:t>
+            </a:r>
+            <a:endParaRPr/>
+          </a:p>
+        </p:txBody>
+      </p:sp>
+      <p:sp>
+        <p:nvSpPr>
+          <p:cNvPr id="40" name="PlaceHolder 3"/>
+          <p:cNvSpPr>
+            <a:spLocks noGrp="1"/>
+          </p:cNvSpPr>
+          <p:nvPr>
+            <p:ph type="dt"/>
+          </p:nvPr>
+        </p:nvSpPr>
+        <p:spPr>
+          <a:xfrm>
+            <a:off x="4399200" y="0"/>
+            <a:ext cx="3372840" cy="502560"/>
+          </a:xfrm>
+          <a:prstGeom prst="rect">
+            <a:avLst/>
+          </a:prstGeom>
+        </p:spPr>
+        <p:txBody>
+          <a:bodyPr wrap="none" lIns="0" tIns="0" rIns="0" bIns="0"/>
+          <a:lstStyle/>
+          <a:p>
+            <a:pPr algn="r"/>
+            <a:r>
+              <a:rPr lang="en-US"/>
+              <a:t>&lt;date/time&gt;</a:t>
+            </a:r>
+            <a:endParaRPr/>
+          </a:p>
+        </p:txBody>
+      </p:sp>
+      <p:sp>
+        <p:nvSpPr>
+          <p:cNvPr id="41" name="PlaceHolder 4"/>
+          <p:cNvSpPr>
+            <a:spLocks noGrp="1"/>
+          </p:cNvSpPr>
+          <p:nvPr>
+            <p:ph type="ftr"/>
+          </p:nvPr>
+        </p:nvSpPr>
+        <p:spPr>
+          <a:xfrm>
+            <a:off x="0" y="9555480"/>
+            <a:ext cx="3372840" cy="502560"/>
+          </a:xfrm>
+          <a:prstGeom prst="rect">
+            <a:avLst/>
+          </a:prstGeom>
+        </p:spPr>
+        <p:txBody>
+          <a:bodyPr wrap="none" lIns="0" tIns="0" rIns="0" bIns="0" anchor="b"/>
+          <a:lstStyle/>
+          <a:p>
+            <a:r>
+              <a:rPr lang="en-US"/>
+              <a:t>&lt;footer&gt;</a:t>
+            </a:r>
+            <a:endParaRPr/>
+          </a:p>
+        </p:txBody>
+      </p:sp>
+      <p:sp>
+        <p:nvSpPr>
+          <p:cNvPr id="42" name="PlaceHolder 5"/>
+          <p:cNvSpPr>
+            <a:spLocks noGrp="1"/>
+          </p:cNvSpPr>
+          <p:nvPr>
+            <p:ph type="sldNum"/>
+          </p:nvPr>
+        </p:nvSpPr>
+        <p:spPr>
+          <a:xfrm>
+            <a:off x="4399200" y="9555480"/>
+            <a:ext cx="3372840" cy="502560"/>
+          </a:xfrm>
+          <a:prstGeom prst="rect">
+            <a:avLst/>
+          </a:prstGeom>
+        </p:spPr>
+        <p:txBody>
+          <a:bodyPr wrap="none" lIns="0" tIns="0" rIns="0" bIns="0" anchor="b"/>
+          <a:lstStyle/>
+          <a:p>
+            <a:pPr algn="r"/>
+            <a:fld id="{192327A5-262D-4538-8014-69221CE248CF}" type="slidenum">
+              <a:rPr lang="en-US"/>
+              <a:t>‹#›</a:t>
+            </a:fld>
+            <a:endParaRPr/>
+          </a:p>
+        </p:txBody>
+      </p:sp>
+    </p:spTree>
+    <p:extLst>
+      <p:ext uri="{BB962C8B-B14F-4D97-AF65-F5344CB8AC3E}">
+        <p14:creationId xmlns:p14="http://schemas.microsoft.com/office/powerpoint/2010/main" val="2133504525"/>
+      </p:ext>
+    </p:extLst>
+  </p:cSld>
+  <p:clrMap bg1="lt1" tx1="dk1" bg2="lt2" tx2="dk2" accent1="accent1" accent2="accent2" accent3="accent3" accent4="accent4" accent5="accent5" accent6="accent6" hlink="hlink" folHlink="folHlink"/>
+  <p:notesStyle>
+    <a:lvl1pPr marL="0" algn="l" defTabSz="914400" rtl="0" eaLnBrk="1" latinLnBrk="0" hangingPunct="1">
+      <a:defRPr sz="1200" kern="1200">
+        <a:solidFill>
+          <a:schemeClr val="tx1"/>
+        </a:solidFill>
+        <a:latin typeface="+mn-lt"/>
+        <a:ea typeface="+mn-ea"/>
+        <a:cs typeface="+mn-cs"/>
+      </a:defRPr>
+    </a:lvl1pPr>
+    <a:lvl2pPr marL="457200" algn="l" defTabSz="914400" rtl="0" eaLnBrk="1" latinLnBrk="0" hangingPunct="1">
+      <a:defRPr sz="1200" kern="1200">
+        <a:solidFill>
+          <a:schemeClr val="tx1"/>
+        </a:solidFill>
+        <a:latin typeface="+mn-lt"/>
+        <a:ea typeface="+mn-ea"/>
+        <a:cs typeface="+mn-cs"/>
+      </a:defRPr>
+    </a:lvl2pPr>
+    <a:lvl3pPr marL="914400" algn="l" defTabSz="914400" rtl="0" eaLnBrk="1" latinLnBrk="0" hangingPunct="1">
+      <a:defRPr sz="1200" kern="1200">
+        <a:solidFill>
+          <a:schemeClr val="tx1"/>
+        </a:solidFill>
+        <a:latin typeface="+mn-lt"/>
+        <a:ea typeface="+mn-ea"/>
+        <a:cs typeface="+mn-cs"/>
+      </a:defRPr>
+    </a:lvl3pPr>
+    <a:lvl4pPr marL="1371600" algn="l" defTabSz="914400" rtl="0" eaLnBrk="1" latinLnBrk="0" hangingPunct="1">
+      <a:defRPr sz="1200" kern="1200">
+        <a:solidFill>
+          <a:schemeClr val="tx1"/>
+        </a:solidFill>
+        <a:latin typeface="+mn-lt"/>
+        <a:ea typeface="+mn-ea"/>
+        <a:cs typeface="+mn-cs"/>
+      </a:defRPr>
+    </a:lvl4pPr>
+    <a:lvl5pPr marL="1828800" algn="l" defTabSz="914400" rtl="0" eaLnBrk="1" latinLnBrk="0" hangingPunct="1">
+      <a:defRPr sz="1200" kern="1200">
+        <a:solidFill>
+          <a:schemeClr val="tx1"/>
+        </a:solidFill>
+        <a:latin typeface="+mn-lt"/>
+        <a:ea typeface="+mn-ea"/>
+        <a:cs typeface="+mn-cs"/>
+      </a:defRPr>
+    </a:lvl5pPr>
+    <a:lvl6pPr marL="2286000" algn="l" defTabSz="914400" rtl="0" eaLnBrk="1" latinLnBrk="0" hangingPunct="1">
+      <a:defRPr sz="1200" kern="1200">
+        <a:solidFill>
+          <a:schemeClr val="tx1"/>
+        </a:solidFill>
+        <a:latin typeface="+mn-lt"/>
+        <a:ea typeface="+mn-ea"/>
+        <a:cs typeface="+mn-cs"/>
+      </a:defRPr>
+    </a:lvl6pPr>
+    <a:lvl7pPr marL="2743200" algn="l" defTabSz="914400" rtl="0" eaLnBrk="1" latinLnBrk="0" hangingPunct="1">
+      <a:defRPr sz="1200" kern="1200">
+        <a:solidFill>
+          <a:schemeClr val="tx1"/>
+        </a:solidFill>
+        <a:latin typeface="+mn-lt"/>
+        <a:ea typeface="+mn-ea"/>
+        <a:cs typeface="+mn-cs"/>
+      </a:defRPr>
+    </a:lvl7pPr>
+    <a:lvl8pPr marL="3200400" algn="l" defTabSz="914400" rtl="0" eaLnBrk="1" latinLnBrk="0" hangingPunct="1">
+      <a:defRPr sz="1200" kern="1200">
+        <a:solidFill>
+          <a:schemeClr val="tx1"/>
+        </a:solidFill>
+        <a:latin typeface="+mn-lt"/>
+        <a:ea typeface="+mn-ea"/>
+        <a:cs typeface="+mn-cs"/>
+      </a:defRPr>
+    </a:lvl8pPr>
+    <a:lvl9pPr marL="3657600" algn="l" defTabSz="914400" rtl="0" eaLnBrk="1" latinLnBrk="0" hangingPunct="1">
+      <a:defRPr sz="1200" kern="1200">
+        <a:solidFill>
+          <a:schemeClr val="tx1"/>
+        </a:solidFill>
+        <a:latin typeface="+mn-lt"/>
+        <a:ea typeface="+mn-ea"/>
+        <a:cs typeface="+mn-cs"/>
+      </a:defRPr>
+    </a:lvl9pPr>
+  </p:notesStyle>
+</p:notesMaster>
+</file>
+
+<file path=ppt/notesSlides/notesSlide1.xml><?xml version="1.0" encoding="utf-8"?>
+<p:notes xmlns:a="http://schemas.openxmlformats.org/drawingml/2006/main" xmlns:r="http://schemas.openxmlformats.org/officeDocument/2006/relationships" xmlns:p="http://schemas.openxmlformats.org/presentationml/2006/main">
   <p:cSld>
     <p:spTree>
       <p:nvGrpSpPr>
@@ -34,181 +411,6 @@
       </p:grpSpPr>
       <p:sp>
         <p:nvSpPr>
-          <p:cNvPr id="38" name="PlaceHolder 1"/>
-          <p:cNvSpPr>
-            <a:spLocks noGrp="1"/>
-          </p:cNvSpPr>
-          <p:nvPr>
-            <p:ph type="body"/>
-          </p:nvPr>
-        </p:nvSpPr>
-        <p:spPr>
-          <a:xfrm>
-            <a:off x="777240" y="4777560"/>
-            <a:ext cx="6217560" cy="4525920"/>
-          </a:xfrm>
-          <a:prstGeom prst="rect">
-            <a:avLst/>
-          </a:prstGeom>
-        </p:spPr>
-        <p:txBody>
-          <a:bodyPr bIns="0" lIns="0" rIns="0" tIns="0" wrap="none"/>
-          <a:p>
-            <a:r>
-              <a:rPr lang="en-US"/>
-              <a:t>Click to edit the notes format</a:t>
-            </a:r>
-            <a:endParaRPr/>
-          </a:p>
-        </p:txBody>
-      </p:sp>
-      <p:sp>
-        <p:nvSpPr>
-          <p:cNvPr id="39" name="PlaceHolder 2"/>
-          <p:cNvSpPr>
-            <a:spLocks noGrp="1"/>
-          </p:cNvSpPr>
-          <p:nvPr>
-            <p:ph type="hdr"/>
-          </p:nvPr>
-        </p:nvSpPr>
-        <p:spPr>
-          <a:xfrm>
-            <a:off x="0" y="0"/>
-            <a:ext cx="3372840" cy="502560"/>
-          </a:xfrm>
-          <a:prstGeom prst="rect">
-            <a:avLst/>
-          </a:prstGeom>
-        </p:spPr>
-        <p:txBody>
-          <a:bodyPr bIns="0" lIns="0" rIns="0" tIns="0" wrap="none"/>
-          <a:p>
-            <a:r>
-              <a:rPr lang="en-US"/>
-              <a:t>&lt;header&gt;</a:t>
-            </a:r>
-            <a:endParaRPr/>
-          </a:p>
-        </p:txBody>
-      </p:sp>
-      <p:sp>
-        <p:nvSpPr>
-          <p:cNvPr id="40" name="PlaceHolder 3"/>
-          <p:cNvSpPr>
-            <a:spLocks noGrp="1"/>
-          </p:cNvSpPr>
-          <p:nvPr>
-            <p:ph type="dt"/>
-          </p:nvPr>
-        </p:nvSpPr>
-        <p:spPr>
-          <a:xfrm>
-            <a:off x="4399200" y="0"/>
-            <a:ext cx="3372840" cy="502560"/>
-          </a:xfrm>
-          <a:prstGeom prst="rect">
-            <a:avLst/>
-          </a:prstGeom>
-        </p:spPr>
-        <p:txBody>
-          <a:bodyPr bIns="0" lIns="0" rIns="0" tIns="0" wrap="none"/>
-          <a:p>
-            <a:pPr algn="r"/>
-            <a:r>
-              <a:rPr lang="en-US"/>
-              <a:t>&lt;date/time&gt;</a:t>
-            </a:r>
-            <a:endParaRPr/>
-          </a:p>
-        </p:txBody>
-      </p:sp>
-      <p:sp>
-        <p:nvSpPr>
-          <p:cNvPr id="41" name="PlaceHolder 4"/>
-          <p:cNvSpPr>
-            <a:spLocks noGrp="1"/>
-          </p:cNvSpPr>
-          <p:nvPr>
-            <p:ph type="ftr"/>
-          </p:nvPr>
-        </p:nvSpPr>
-        <p:spPr>
-          <a:xfrm>
-            <a:off x="0" y="9555480"/>
-            <a:ext cx="3372840" cy="502560"/>
-          </a:xfrm>
-          <a:prstGeom prst="rect">
-            <a:avLst/>
-          </a:prstGeom>
-        </p:spPr>
-        <p:txBody>
-          <a:bodyPr anchor="b" bIns="0" lIns="0" rIns="0" tIns="0" wrap="none"/>
-          <a:p>
-            <a:r>
-              <a:rPr lang="en-US"/>
-              <a:t>&lt;footer&gt;</a:t>
-            </a:r>
-            <a:endParaRPr/>
-          </a:p>
-        </p:txBody>
-      </p:sp>
-      <p:sp>
-        <p:nvSpPr>
-          <p:cNvPr id="42" name="PlaceHolder 5"/>
-          <p:cNvSpPr>
-            <a:spLocks noGrp="1"/>
-          </p:cNvSpPr>
-          <p:nvPr>
-            <p:ph type="sldNum"/>
-          </p:nvPr>
-        </p:nvSpPr>
-        <p:spPr>
-          <a:xfrm>
-            <a:off x="4399200" y="9555480"/>
-            <a:ext cx="3372840" cy="502560"/>
-          </a:xfrm>
-          <a:prstGeom prst="rect">
-            <a:avLst/>
-          </a:prstGeom>
-        </p:spPr>
-        <p:txBody>
-          <a:bodyPr anchor="b" bIns="0" lIns="0" rIns="0" tIns="0" wrap="none"/>
-          <a:p>
-            <a:pPr algn="r"/>
-            <a:fld id="{192327A5-262D-4538-8014-69221CE248CF}" type="slidenum">
-              <a:rPr lang="en-US"/>
-              <a:t>&lt;number&gt;</a:t>
-            </a:fld>
-            <a:endParaRPr/>
-          </a:p>
-        </p:txBody>
-      </p:sp>
-    </p:spTree>
-  </p:cSld>
-  <p:clrMap accent1="accent1" accent2="accent2" accent3="accent3" accent4="accent4" accent5="accent5" accent6="accent6" bg1="lt1" bg2="lt2" folHlink="folHlink" hlink="hlink" tx1="dk1" tx2="dk2"/>
-</p:notesMaster>
-</file>
-
-<file path=ppt/notesSlides/notesSlide1.xml><?xml version="1.0" encoding="utf-8"?>
-<p:notes xmlns:a="http://schemas.openxmlformats.org/drawingml/2006/main" xmlns:p="http://schemas.openxmlformats.org/presentationml/2006/main" xmlns:r="http://schemas.openxmlformats.org/officeDocument/2006/relationships">
-  <p:cSld>
-    <p:spTree>
-      <p:nvGrpSpPr>
-        <p:cNvPr id="1" name=""/>
-        <p:cNvGrpSpPr/>
-        <p:nvPr/>
-      </p:nvGrpSpPr>
-      <p:grpSpPr>
-        <a:xfrm>
-          <a:off x="0" y="0"/>
-          <a:ext cx="0" cy="0"/>
-          <a:chOff x="0" y="0"/>
-          <a:chExt cx="0" cy="0"/>
-        </a:xfrm>
-      </p:grpSpPr>
-      <p:sp>
-        <p:nvSpPr>
           <p:cNvPr id="49" name="PlaceHolder 1"/>
           <p:cNvSpPr>
             <a:spLocks noGrp="1"/>
@@ -228,6 +430,7 @@
         </p:spPr>
         <p:txBody>
           <a:bodyPr/>
+          <a:lstStyle/>
           <a:p>
             <a:r>
               <a:rPr lang="en-US"/>
@@ -260,6 +463,7 @@
         </p:spPr>
         <p:txBody>
           <a:bodyPr anchor="b"/>
+          <a:lstStyle/>
           <a:p>
             <a:pPr algn="r">
               <a:lnSpc>
@@ -274,19 +478,27 @@
                 <a:latin typeface="+mn-lt"/>
                 <a:ea typeface="+mn-ea"/>
               </a:rPr>
-              <a:t>&lt;number&gt;</a:t>
+              <a:t>1</a:t>
             </a:fld>
             <a:endParaRPr/>
           </a:p>
         </p:txBody>
       </p:sp>
     </p:spTree>
+    <p:extLst>
+      <p:ext uri="{BB962C8B-B14F-4D97-AF65-F5344CB8AC3E}">
+        <p14:creationId xmlns:p14="http://schemas.microsoft.com/office/powerpoint/2010/main" val="1276097716"/>
+      </p:ext>
+    </p:extLst>
   </p:cSld>
+  <p:clrMapOvr>
+    <a:masterClrMapping/>
+  </p:clrMapOvr>
 </p:notes>
 </file>
 
 <file path=ppt/slideLayouts/slideLayout1.xml><?xml version="1.0" encoding="utf-8"?>
-<p:sldLayout xmlns:a="http://schemas.openxmlformats.org/drawingml/2006/main" xmlns:p="http://schemas.openxmlformats.org/presentationml/2006/main" xmlns:r="http://schemas.openxmlformats.org/officeDocument/2006/relationships" preserve="1" type="blank">
+<p:sldLayout xmlns:a="http://schemas.openxmlformats.org/drawingml/2006/main" xmlns:r="http://schemas.openxmlformats.org/officeDocument/2006/relationships" xmlns:p="http://schemas.openxmlformats.org/presentationml/2006/main" type="blank" preserve="1">
   <p:cSld name="Blank Slide">
     <p:spTree>
       <p:nvGrpSpPr>
@@ -304,11 +516,14 @@
       </p:grpSpPr>
     </p:spTree>
   </p:cSld>
+  <p:clrMapOvr>
+    <a:masterClrMapping/>
+  </p:clrMapOvr>
 </p:sldLayout>
 </file>
 
 <file path=ppt/slideLayouts/slideLayout10.xml><?xml version="1.0" encoding="utf-8"?>
-<p:sldLayout xmlns:a="http://schemas.openxmlformats.org/drawingml/2006/main" xmlns:p="http://schemas.openxmlformats.org/presentationml/2006/main" xmlns:r="http://schemas.openxmlformats.org/officeDocument/2006/relationships" preserve="1" type="objOverTx">
+<p:sldLayout xmlns:a="http://schemas.openxmlformats.org/drawingml/2006/main" xmlns:r="http://schemas.openxmlformats.org/officeDocument/2006/relationships" xmlns:p="http://schemas.openxmlformats.org/presentationml/2006/main" type="objOverTx" preserve="1">
   <p:cSld name="Title, Content over Content">
     <p:spTree>
       <p:nvGrpSpPr>
@@ -344,7 +559,8 @@
           </a:prstGeom>
         </p:spPr>
         <p:txBody>
-          <a:bodyPr anchor="ctr" bIns="0" lIns="0" rIns="0" tIns="0" wrap="none"/>
+          <a:bodyPr wrap="none" lIns="0" tIns="0" rIns="0" bIns="0" anchor="ctr"/>
+          <a:lstStyle/>
           <a:p>
             <a:endParaRPr/>
           </a:p>
@@ -370,7 +586,8 @@
           </a:prstGeom>
         </p:spPr>
         <p:txBody>
-          <a:bodyPr bIns="0" lIns="0" rIns="0" tIns="0" wrap="none"/>
+          <a:bodyPr wrap="none" lIns="0" tIns="0" rIns="0" bIns="0"/>
+          <a:lstStyle/>
           <a:p>
             <a:endParaRPr/>
           </a:p>
@@ -396,7 +613,8 @@
           </a:prstGeom>
         </p:spPr>
         <p:txBody>
-          <a:bodyPr bIns="0" lIns="0" rIns="0" tIns="0" wrap="none"/>
+          <a:bodyPr wrap="none" lIns="0" tIns="0" rIns="0" bIns="0"/>
+          <a:lstStyle/>
           <a:p>
             <a:endParaRPr/>
           </a:p>
@@ -404,11 +622,14 @@
       </p:sp>
     </p:spTree>
   </p:cSld>
+  <p:clrMapOvr>
+    <a:masterClrMapping/>
+  </p:clrMapOvr>
 </p:sldLayout>
 </file>
 
 <file path=ppt/slideLayouts/slideLayout11.xml><?xml version="1.0" encoding="utf-8"?>
-<p:sldLayout xmlns:a="http://schemas.openxmlformats.org/drawingml/2006/main" xmlns:p="http://schemas.openxmlformats.org/presentationml/2006/main" xmlns:r="http://schemas.openxmlformats.org/officeDocument/2006/relationships" preserve="1" type="fourObj">
+<p:sldLayout xmlns:a="http://schemas.openxmlformats.org/drawingml/2006/main" xmlns:r="http://schemas.openxmlformats.org/officeDocument/2006/relationships" xmlns:p="http://schemas.openxmlformats.org/presentationml/2006/main" type="fourObj" preserve="1">
   <p:cSld name="Title, 4 Content">
     <p:spTree>
       <p:nvGrpSpPr>
@@ -444,7 +665,8 @@
           </a:prstGeom>
         </p:spPr>
         <p:txBody>
-          <a:bodyPr anchor="ctr" bIns="0" lIns="0" rIns="0" tIns="0" wrap="none"/>
+          <a:bodyPr wrap="none" lIns="0" tIns="0" rIns="0" bIns="0" anchor="ctr"/>
+          <a:lstStyle/>
           <a:p>
             <a:endParaRPr/>
           </a:p>
@@ -470,7 +692,8 @@
           </a:prstGeom>
         </p:spPr>
         <p:txBody>
-          <a:bodyPr bIns="0" lIns="0" rIns="0" tIns="0" wrap="none"/>
+          <a:bodyPr wrap="none" lIns="0" tIns="0" rIns="0" bIns="0"/>
+          <a:lstStyle/>
           <a:p>
             <a:endParaRPr/>
           </a:p>
@@ -496,7 +719,8 @@
           </a:prstGeom>
         </p:spPr>
         <p:txBody>
-          <a:bodyPr bIns="0" lIns="0" rIns="0" tIns="0" wrap="none"/>
+          <a:bodyPr wrap="none" lIns="0" tIns="0" rIns="0" bIns="0"/>
+          <a:lstStyle/>
           <a:p>
             <a:endParaRPr/>
           </a:p>
@@ -522,7 +746,8 @@
           </a:prstGeom>
         </p:spPr>
         <p:txBody>
-          <a:bodyPr bIns="0" lIns="0" rIns="0" tIns="0" wrap="none"/>
+          <a:bodyPr wrap="none" lIns="0" tIns="0" rIns="0" bIns="0"/>
+          <a:lstStyle/>
           <a:p>
             <a:endParaRPr/>
           </a:p>
@@ -548,7 +773,8 @@
           </a:prstGeom>
         </p:spPr>
         <p:txBody>
-          <a:bodyPr bIns="0" lIns="0" rIns="0" tIns="0" wrap="none"/>
+          <a:bodyPr wrap="none" lIns="0" tIns="0" rIns="0" bIns="0"/>
+          <a:lstStyle/>
           <a:p>
             <a:endParaRPr/>
           </a:p>
@@ -556,11 +782,14 @@
       </p:sp>
     </p:spTree>
   </p:cSld>
+  <p:clrMapOvr>
+    <a:masterClrMapping/>
+  </p:clrMapOvr>
 </p:sldLayout>
 </file>
 
 <file path=ppt/slideLayouts/slideLayout12.xml><?xml version="1.0" encoding="utf-8"?>
-<p:sldLayout xmlns:a="http://schemas.openxmlformats.org/drawingml/2006/main" xmlns:p="http://schemas.openxmlformats.org/presentationml/2006/main" xmlns:r="http://schemas.openxmlformats.org/officeDocument/2006/relationships" preserve="1" type="blank">
+<p:sldLayout xmlns:a="http://schemas.openxmlformats.org/drawingml/2006/main" xmlns:r="http://schemas.openxmlformats.org/officeDocument/2006/relationships" xmlns:p="http://schemas.openxmlformats.org/presentationml/2006/main" type="blank" preserve="1">
   <p:cSld name="Title, 6 Content">
     <p:spTree>
       <p:nvGrpSpPr>
@@ -596,7 +825,8 @@
           </a:prstGeom>
         </p:spPr>
         <p:txBody>
-          <a:bodyPr anchor="ctr" bIns="0" lIns="0" rIns="0" tIns="0" wrap="none"/>
+          <a:bodyPr wrap="none" lIns="0" tIns="0" rIns="0" bIns="0" anchor="ctr"/>
+          <a:lstStyle/>
           <a:p>
             <a:endParaRPr/>
           </a:p>
@@ -622,7 +852,8 @@
           </a:prstGeom>
         </p:spPr>
         <p:txBody>
-          <a:bodyPr bIns="0" lIns="0" rIns="0" tIns="0" wrap="none"/>
+          <a:bodyPr wrap="none" lIns="0" tIns="0" rIns="0" bIns="0"/>
+          <a:lstStyle/>
           <a:p>
             <a:endParaRPr/>
           </a:p>
@@ -648,7 +879,8 @@
           </a:prstGeom>
         </p:spPr>
         <p:txBody>
-          <a:bodyPr bIns="0" lIns="0" rIns="0" tIns="0" wrap="none"/>
+          <a:bodyPr wrap="none" lIns="0" tIns="0" rIns="0" bIns="0"/>
+          <a:lstStyle/>
           <a:p>
             <a:endParaRPr/>
           </a:p>
@@ -656,7 +888,7 @@
       </p:sp>
       <p:pic>
         <p:nvPicPr>
-          <p:cNvPr descr="" id="36" name=""/>
+          <p:cNvPr id="36" name="Picture 35"/>
           <p:cNvPicPr/>
           <p:nvPr/>
         </p:nvPicPr>
@@ -681,12 +913,12 @@
       </p:pic>
       <p:pic>
         <p:nvPicPr>
-          <p:cNvPr descr="" id="37" name=""/>
+          <p:cNvPr id="37" name="Picture 36"/>
           <p:cNvPicPr/>
           <p:nvPr/>
         </p:nvPicPr>
         <p:blipFill>
-          <a:blip r:embed="rId3"/>
+          <a:blip r:embed="rId2"/>
           <a:stretch>
             <a:fillRect/>
           </a:stretch>
@@ -706,11 +938,14 @@
       </p:pic>
     </p:spTree>
   </p:cSld>
+  <p:clrMapOvr>
+    <a:masterClrMapping/>
+  </p:clrMapOvr>
 </p:sldLayout>
 </file>
 
 <file path=ppt/slideLayouts/slideLayout2.xml><?xml version="1.0" encoding="utf-8"?>
-<p:sldLayout xmlns:a="http://schemas.openxmlformats.org/drawingml/2006/main" xmlns:p="http://schemas.openxmlformats.org/presentationml/2006/main" xmlns:r="http://schemas.openxmlformats.org/officeDocument/2006/relationships" preserve="1" type="tx">
+<p:sldLayout xmlns:a="http://schemas.openxmlformats.org/drawingml/2006/main" xmlns:r="http://schemas.openxmlformats.org/officeDocument/2006/relationships" xmlns:p="http://schemas.openxmlformats.org/presentationml/2006/main" type="tx" preserve="1">
   <p:cSld name="Title Slide">
     <p:spTree>
       <p:nvGrpSpPr>
@@ -746,7 +981,8 @@
           </a:prstGeom>
         </p:spPr>
         <p:txBody>
-          <a:bodyPr anchor="ctr" bIns="0" lIns="0" rIns="0" tIns="0" wrap="none"/>
+          <a:bodyPr wrap="none" lIns="0" tIns="0" rIns="0" bIns="0" anchor="ctr"/>
+          <a:lstStyle/>
           <a:p>
             <a:endParaRPr/>
           </a:p>
@@ -772,7 +1008,8 @@
           </a:prstGeom>
         </p:spPr>
         <p:txBody>
-          <a:bodyPr anchor="ctr" bIns="0" lIns="0" rIns="0" tIns="0" wrap="none"/>
+          <a:bodyPr wrap="none" lIns="0" tIns="0" rIns="0" bIns="0" anchor="ctr"/>
+          <a:lstStyle/>
           <a:p>
             <a:pPr algn="ctr"/>
             <a:endParaRPr/>
@@ -781,11 +1018,14 @@
       </p:sp>
     </p:spTree>
   </p:cSld>
+  <p:clrMapOvr>
+    <a:masterClrMapping/>
+  </p:clrMapOvr>
 </p:sldLayout>
 </file>
 
 <file path=ppt/slideLayouts/slideLayout3.xml><?xml version="1.0" encoding="utf-8"?>
-<p:sldLayout xmlns:a="http://schemas.openxmlformats.org/drawingml/2006/main" xmlns:p="http://schemas.openxmlformats.org/presentationml/2006/main" xmlns:r="http://schemas.openxmlformats.org/officeDocument/2006/relationships" preserve="1" type="obj">
+<p:sldLayout xmlns:a="http://schemas.openxmlformats.org/drawingml/2006/main" xmlns:r="http://schemas.openxmlformats.org/officeDocument/2006/relationships" xmlns:p="http://schemas.openxmlformats.org/presentationml/2006/main" type="obj" preserve="1">
   <p:cSld name="Title, Content">
     <p:spTree>
       <p:nvGrpSpPr>
@@ -821,7 +1061,8 @@
           </a:prstGeom>
         </p:spPr>
         <p:txBody>
-          <a:bodyPr anchor="ctr" bIns="0" lIns="0" rIns="0" tIns="0" wrap="none"/>
+          <a:bodyPr wrap="none" lIns="0" tIns="0" rIns="0" bIns="0" anchor="ctr"/>
+          <a:lstStyle/>
           <a:p>
             <a:endParaRPr/>
           </a:p>
@@ -847,7 +1088,8 @@
           </a:prstGeom>
         </p:spPr>
         <p:txBody>
-          <a:bodyPr bIns="0" lIns="0" rIns="0" tIns="0" wrap="none"/>
+          <a:bodyPr wrap="none" lIns="0" tIns="0" rIns="0" bIns="0"/>
+          <a:lstStyle/>
           <a:p>
             <a:endParaRPr/>
           </a:p>
@@ -855,11 +1097,14 @@
       </p:sp>
     </p:spTree>
   </p:cSld>
+  <p:clrMapOvr>
+    <a:masterClrMapping/>
+  </p:clrMapOvr>
 </p:sldLayout>
 </file>
 
 <file path=ppt/slideLayouts/slideLayout4.xml><?xml version="1.0" encoding="utf-8"?>
-<p:sldLayout xmlns:a="http://schemas.openxmlformats.org/drawingml/2006/main" xmlns:p="http://schemas.openxmlformats.org/presentationml/2006/main" xmlns:r="http://schemas.openxmlformats.org/officeDocument/2006/relationships" preserve="1" type="twoObj">
+<p:sldLayout xmlns:a="http://schemas.openxmlformats.org/drawingml/2006/main" xmlns:r="http://schemas.openxmlformats.org/officeDocument/2006/relationships" xmlns:p="http://schemas.openxmlformats.org/presentationml/2006/main" type="twoObj" preserve="1">
   <p:cSld name="Title, 2 Content">
     <p:spTree>
       <p:nvGrpSpPr>
@@ -895,7 +1140,8 @@
           </a:prstGeom>
         </p:spPr>
         <p:txBody>
-          <a:bodyPr anchor="ctr" bIns="0" lIns="0" rIns="0" tIns="0" wrap="none"/>
+          <a:bodyPr wrap="none" lIns="0" tIns="0" rIns="0" bIns="0" anchor="ctr"/>
+          <a:lstStyle/>
           <a:p>
             <a:endParaRPr/>
           </a:p>
@@ -921,7 +1167,8 @@
           </a:prstGeom>
         </p:spPr>
         <p:txBody>
-          <a:bodyPr bIns="0" lIns="0" rIns="0" tIns="0" wrap="none"/>
+          <a:bodyPr wrap="none" lIns="0" tIns="0" rIns="0" bIns="0"/>
+          <a:lstStyle/>
           <a:p>
             <a:endParaRPr/>
           </a:p>
@@ -947,7 +1194,8 @@
           </a:prstGeom>
         </p:spPr>
         <p:txBody>
-          <a:bodyPr bIns="0" lIns="0" rIns="0" tIns="0" wrap="none"/>
+          <a:bodyPr wrap="none" lIns="0" tIns="0" rIns="0" bIns="0"/>
+          <a:lstStyle/>
           <a:p>
             <a:endParaRPr/>
           </a:p>
@@ -955,11 +1203,14 @@
       </p:sp>
     </p:spTree>
   </p:cSld>
+  <p:clrMapOvr>
+    <a:masterClrMapping/>
+  </p:clrMapOvr>
 </p:sldLayout>
 </file>
 
 <file path=ppt/slideLayouts/slideLayout5.xml><?xml version="1.0" encoding="utf-8"?>
-<p:sldLayout xmlns:a="http://schemas.openxmlformats.org/drawingml/2006/main" xmlns:p="http://schemas.openxmlformats.org/presentationml/2006/main" xmlns:r="http://schemas.openxmlformats.org/officeDocument/2006/relationships" preserve="1" type="titleOnly">
+<p:sldLayout xmlns:a="http://schemas.openxmlformats.org/drawingml/2006/main" xmlns:r="http://schemas.openxmlformats.org/officeDocument/2006/relationships" xmlns:p="http://schemas.openxmlformats.org/presentationml/2006/main" type="titleOnly" preserve="1">
   <p:cSld name="Title Only">
     <p:spTree>
       <p:nvGrpSpPr>
@@ -995,7 +1246,8 @@
           </a:prstGeom>
         </p:spPr>
         <p:txBody>
-          <a:bodyPr anchor="ctr" bIns="0" lIns="0" rIns="0" tIns="0" wrap="none"/>
+          <a:bodyPr wrap="none" lIns="0" tIns="0" rIns="0" bIns="0" anchor="ctr"/>
+          <a:lstStyle/>
           <a:p>
             <a:endParaRPr/>
           </a:p>
@@ -1003,11 +1255,14 @@
       </p:sp>
     </p:spTree>
   </p:cSld>
+  <p:clrMapOvr>
+    <a:masterClrMapping/>
+  </p:clrMapOvr>
 </p:sldLayout>
 </file>
 
 <file path=ppt/slideLayouts/slideLayout6.xml><?xml version="1.0" encoding="utf-8"?>
-<p:sldLayout xmlns:a="http://schemas.openxmlformats.org/drawingml/2006/main" xmlns:p="http://schemas.openxmlformats.org/presentationml/2006/main" xmlns:r="http://schemas.openxmlformats.org/officeDocument/2006/relationships" preserve="1" type="objOnly">
+<p:sldLayout xmlns:a="http://schemas.openxmlformats.org/drawingml/2006/main" xmlns:r="http://schemas.openxmlformats.org/officeDocument/2006/relationships" xmlns:p="http://schemas.openxmlformats.org/presentationml/2006/main" type="objOnly" preserve="1">
   <p:cSld name="Centered Text">
     <p:spTree>
       <p:nvGrpSpPr>
@@ -1043,7 +1298,8 @@
           </a:prstGeom>
         </p:spPr>
         <p:txBody>
-          <a:bodyPr anchor="ctr" bIns="0" lIns="0" rIns="0" tIns="0" wrap="none"/>
+          <a:bodyPr wrap="none" lIns="0" tIns="0" rIns="0" bIns="0" anchor="ctr"/>
+          <a:lstStyle/>
           <a:p>
             <a:pPr algn="ctr"/>
             <a:endParaRPr/>
@@ -1052,11 +1308,14 @@
       </p:sp>
     </p:spTree>
   </p:cSld>
+  <p:clrMapOvr>
+    <a:masterClrMapping/>
+  </p:clrMapOvr>
 </p:sldLayout>
 </file>
 
 <file path=ppt/slideLayouts/slideLayout7.xml><?xml version="1.0" encoding="utf-8"?>
-<p:sldLayout xmlns:a="http://schemas.openxmlformats.org/drawingml/2006/main" xmlns:p="http://schemas.openxmlformats.org/presentationml/2006/main" xmlns:r="http://schemas.openxmlformats.org/officeDocument/2006/relationships" preserve="1" type="twoObjAndObj">
+<p:sldLayout xmlns:a="http://schemas.openxmlformats.org/drawingml/2006/main" xmlns:r="http://schemas.openxmlformats.org/officeDocument/2006/relationships" xmlns:p="http://schemas.openxmlformats.org/presentationml/2006/main" type="twoObjAndObj" preserve="1">
   <p:cSld name="Title, 2 Content and Content">
     <p:spTree>
       <p:nvGrpSpPr>
@@ -1092,7 +1351,8 @@
           </a:prstGeom>
         </p:spPr>
         <p:txBody>
-          <a:bodyPr anchor="ctr" bIns="0" lIns="0" rIns="0" tIns="0" wrap="none"/>
+          <a:bodyPr wrap="none" lIns="0" tIns="0" rIns="0" bIns="0" anchor="ctr"/>
+          <a:lstStyle/>
           <a:p>
             <a:endParaRPr/>
           </a:p>
@@ -1118,7 +1378,8 @@
           </a:prstGeom>
         </p:spPr>
         <p:txBody>
-          <a:bodyPr bIns="0" lIns="0" rIns="0" tIns="0" wrap="none"/>
+          <a:bodyPr wrap="none" lIns="0" tIns="0" rIns="0" bIns="0"/>
+          <a:lstStyle/>
           <a:p>
             <a:endParaRPr/>
           </a:p>
@@ -1144,7 +1405,8 @@
           </a:prstGeom>
         </p:spPr>
         <p:txBody>
-          <a:bodyPr bIns="0" lIns="0" rIns="0" tIns="0" wrap="none"/>
+          <a:bodyPr wrap="none" lIns="0" tIns="0" rIns="0" bIns="0"/>
+          <a:lstStyle/>
           <a:p>
             <a:endParaRPr/>
           </a:p>
@@ -1170,7 +1432,8 @@
           </a:prstGeom>
         </p:spPr>
         <p:txBody>
-          <a:bodyPr bIns="0" lIns="0" rIns="0" tIns="0" wrap="none"/>
+          <a:bodyPr wrap="none" lIns="0" tIns="0" rIns="0" bIns="0"/>
+          <a:lstStyle/>
           <a:p>
             <a:endParaRPr/>
           </a:p>
@@ -1178,11 +1441,14 @@
       </p:sp>
     </p:spTree>
   </p:cSld>
+  <p:clrMapOvr>
+    <a:masterClrMapping/>
+  </p:clrMapOvr>
 </p:sldLayout>
 </file>
 
 <file path=ppt/slideLayouts/slideLayout8.xml><?xml version="1.0" encoding="utf-8"?>
-<p:sldLayout xmlns:a="http://schemas.openxmlformats.org/drawingml/2006/main" xmlns:p="http://schemas.openxmlformats.org/presentationml/2006/main" xmlns:r="http://schemas.openxmlformats.org/officeDocument/2006/relationships" preserve="1" type="objAndTwoObj">
+<p:sldLayout xmlns:a="http://schemas.openxmlformats.org/drawingml/2006/main" xmlns:r="http://schemas.openxmlformats.org/officeDocument/2006/relationships" xmlns:p="http://schemas.openxmlformats.org/presentationml/2006/main" type="objAndTwoObj" preserve="1">
   <p:cSld name="Title Content and 2 Content">
     <p:spTree>
       <p:nvGrpSpPr>
@@ -1218,7 +1484,8 @@
           </a:prstGeom>
         </p:spPr>
         <p:txBody>
-          <a:bodyPr anchor="ctr" bIns="0" lIns="0" rIns="0" tIns="0" wrap="none"/>
+          <a:bodyPr wrap="none" lIns="0" tIns="0" rIns="0" bIns="0" anchor="ctr"/>
+          <a:lstStyle/>
           <a:p>
             <a:endParaRPr/>
           </a:p>
@@ -1244,7 +1511,8 @@
           </a:prstGeom>
         </p:spPr>
         <p:txBody>
-          <a:bodyPr bIns="0" lIns="0" rIns="0" tIns="0" wrap="none"/>
+          <a:bodyPr wrap="none" lIns="0" tIns="0" rIns="0" bIns="0"/>
+          <a:lstStyle/>
           <a:p>
             <a:endParaRPr/>
           </a:p>
@@ -1270,7 +1538,8 @@
           </a:prstGeom>
         </p:spPr>
         <p:txBody>
-          <a:bodyPr bIns="0" lIns="0" rIns="0" tIns="0" wrap="none"/>
+          <a:bodyPr wrap="none" lIns="0" tIns="0" rIns="0" bIns="0"/>
+          <a:lstStyle/>
           <a:p>
             <a:endParaRPr/>
           </a:p>
@@ -1296,7 +1565,8 @@
           </a:prstGeom>
         </p:spPr>
         <p:txBody>
-          <a:bodyPr bIns="0" lIns="0" rIns="0" tIns="0" wrap="none"/>
+          <a:bodyPr wrap="none" lIns="0" tIns="0" rIns="0" bIns="0"/>
+          <a:lstStyle/>
           <a:p>
             <a:endParaRPr/>
           </a:p>
@@ -1304,11 +1574,14 @@
       </p:sp>
     </p:spTree>
   </p:cSld>
+  <p:clrMapOvr>
+    <a:masterClrMapping/>
+  </p:clrMapOvr>
 </p:sldLayout>
 </file>
 
 <file path=ppt/slideLayouts/slideLayout9.xml><?xml version="1.0" encoding="utf-8"?>
-<p:sldLayout xmlns:a="http://schemas.openxmlformats.org/drawingml/2006/main" xmlns:p="http://schemas.openxmlformats.org/presentationml/2006/main" xmlns:r="http://schemas.openxmlformats.org/officeDocument/2006/relationships" preserve="1" type="twoObjOverTx">
+<p:sldLayout xmlns:a="http://schemas.openxmlformats.org/drawingml/2006/main" xmlns:r="http://schemas.openxmlformats.org/officeDocument/2006/relationships" xmlns:p="http://schemas.openxmlformats.org/presentationml/2006/main" type="twoObjOverTx" preserve="1">
   <p:cSld name="Title, 2 Content over Content">
     <p:spTree>
       <p:nvGrpSpPr>
@@ -1344,7 +1617,8 @@
           </a:prstGeom>
         </p:spPr>
         <p:txBody>
-          <a:bodyPr anchor="ctr" bIns="0" lIns="0" rIns="0" tIns="0" wrap="none"/>
+          <a:bodyPr wrap="none" lIns="0" tIns="0" rIns="0" bIns="0" anchor="ctr"/>
+          <a:lstStyle/>
           <a:p>
             <a:endParaRPr/>
           </a:p>
@@ -1370,7 +1644,8 @@
           </a:prstGeom>
         </p:spPr>
         <p:txBody>
-          <a:bodyPr bIns="0" lIns="0" rIns="0" tIns="0" wrap="none"/>
+          <a:bodyPr wrap="none" lIns="0" tIns="0" rIns="0" bIns="0"/>
+          <a:lstStyle/>
           <a:p>
             <a:endParaRPr/>
           </a:p>
@@ -1396,7 +1671,8 @@
           </a:prstGeom>
         </p:spPr>
         <p:txBody>
-          <a:bodyPr bIns="0" lIns="0" rIns="0" tIns="0" wrap="none"/>
+          <a:bodyPr wrap="none" lIns="0" tIns="0" rIns="0" bIns="0"/>
+          <a:lstStyle/>
           <a:p>
             <a:endParaRPr/>
           </a:p>
@@ -1422,7 +1698,8 @@
           </a:prstGeom>
         </p:spPr>
         <p:txBody>
-          <a:bodyPr bIns="0" lIns="0" rIns="0" tIns="0" wrap="none"/>
+          <a:bodyPr wrap="none" lIns="0" tIns="0" rIns="0" bIns="0"/>
+          <a:lstStyle/>
           <a:p>
             <a:endParaRPr/>
           </a:p>
@@ -1430,17 +1707,21 @@
       </p:sp>
     </p:spTree>
   </p:cSld>
+  <p:clrMapOvr>
+    <a:masterClrMapping/>
+  </p:clrMapOvr>
 </p:sldLayout>
 </file>
 
 <file path=ppt/slideMasters/slideMaster1.xml><?xml version="1.0" encoding="utf-8"?>
-<p:sldMaster xmlns:a="http://schemas.openxmlformats.org/drawingml/2006/main" xmlns:p="http://schemas.openxmlformats.org/presentationml/2006/main" xmlns:r="http://schemas.openxmlformats.org/officeDocument/2006/relationships">
+<p:sldMaster xmlns:a="http://schemas.openxmlformats.org/drawingml/2006/main" xmlns:r="http://schemas.openxmlformats.org/officeDocument/2006/relationships" xmlns:p="http://schemas.openxmlformats.org/presentationml/2006/main">
   <p:cSld>
     <p:bg>
       <p:bgPr>
         <a:solidFill>
-          <a:srgbClr val="ffffff"/>
+          <a:srgbClr val="FFFFFF"/>
         </a:solidFill>
+        <a:effectLst/>
       </p:bgPr>
     </p:bg>
     <p:spTree>
@@ -1459,12 +1740,12 @@
       </p:grpSpPr>
       <p:pic>
         <p:nvPicPr>
-          <p:cNvPr descr="" id="0" name="Picture 6"/>
+          <p:cNvPr id="4" name="Picture 6"/>
           <p:cNvPicPr/>
           <p:nvPr/>
         </p:nvPicPr>
         <p:blipFill>
-          <a:blip r:embed="rId2"/>
+          <a:blip r:embed="rId14"/>
           <a:stretch>
             <a:fillRect/>
           </a:stretch>
@@ -1484,12 +1765,12 @@
       </p:pic>
       <p:pic>
         <p:nvPicPr>
-          <p:cNvPr descr="" id="1" name="Picture 7"/>
+          <p:cNvPr id="5" name="Picture 7"/>
           <p:cNvPicPr/>
           <p:nvPr/>
         </p:nvPicPr>
         <p:blipFill>
-          <a:blip r:embed="rId3"/>
+          <a:blip r:embed="rId15"/>
           <a:stretch>
             <a:fillRect/>
           </a:stretch>
@@ -1528,6 +1809,7 @@
         </p:spPr>
         <p:txBody>
           <a:bodyPr anchor="ctr"/>
+          <a:lstStyle/>
           <a:p>
             <a:pPr algn="ctr">
               <a:lnSpc>
@@ -1568,6 +1850,7 @@
         </p:spPr>
         <p:txBody>
           <a:bodyPr anchor="ctr"/>
+          <a:lstStyle/>
           <a:p>
             <a:pPr>
               <a:buSzPct val="25000"/>
@@ -1577,7 +1860,7 @@
             <a:r>
               <a:rPr lang="en-US" sz="4800">
                 <a:solidFill>
-                  <a:srgbClr val="ff6600"/>
+                  <a:srgbClr val="FF6600"/>
                 </a:solidFill>
                 <a:latin typeface="Arial Rounded MT Bold"/>
               </a:rPr>
@@ -1594,7 +1877,7 @@
             <a:r>
               <a:rPr lang="en-US" sz="4800">
                 <a:solidFill>
-                  <a:srgbClr val="ff6600"/>
+                  <a:srgbClr val="FF6600"/>
                 </a:solidFill>
                 <a:latin typeface="Arial Rounded MT Bold"/>
               </a:rPr>
@@ -1611,7 +1894,7 @@
             <a:r>
               <a:rPr lang="en-US" sz="4800">
                 <a:solidFill>
-                  <a:srgbClr val="ff6600"/>
+                  <a:srgbClr val="FF6600"/>
                 </a:solidFill>
                 <a:latin typeface="Arial Rounded MT Bold"/>
               </a:rPr>
@@ -1628,7 +1911,7 @@
             <a:r>
               <a:rPr lang="en-US" sz="4800">
                 <a:solidFill>
-                  <a:srgbClr val="ff6600"/>
+                  <a:srgbClr val="FF6600"/>
                 </a:solidFill>
                 <a:latin typeface="Arial Rounded MT Bold"/>
               </a:rPr>
@@ -1645,7 +1928,7 @@
             <a:r>
               <a:rPr lang="en-US" sz="4800">
                 <a:solidFill>
-                  <a:srgbClr val="ff6600"/>
+                  <a:srgbClr val="FF6600"/>
                 </a:solidFill>
                 <a:latin typeface="Arial Rounded MT Bold"/>
               </a:rPr>
@@ -1662,7 +1945,7 @@
             <a:r>
               <a:rPr lang="en-US" sz="4800">
                 <a:solidFill>
-                  <a:srgbClr val="ff6600"/>
+                  <a:srgbClr val="FF6600"/>
                 </a:solidFill>
                 <a:latin typeface="Arial Rounded MT Bold"/>
               </a:rPr>
@@ -1679,7 +1962,7 @@
             <a:r>
               <a:rPr lang="en-US" sz="4800">
                 <a:solidFill>
-                  <a:srgbClr val="ff6600"/>
+                  <a:srgbClr val="FF6600"/>
                 </a:solidFill>
                 <a:latin typeface="Arial Rounded MT Bold"/>
               </a:rPr>
@@ -1691,26 +1974,306 @@
       </p:sp>
     </p:spTree>
   </p:cSld>
-  <p:clrMap accent1="accent1" accent2="accent2" accent3="accent3" accent4="accent4" accent5="accent5" accent6="accent6" bg1="lt1" bg2="lt2" folHlink="folHlink" hlink="hlink" tx1="dk1" tx2="dk2"/>
+  <p:clrMap bg1="lt1" tx1="dk1" bg2="lt2" tx2="dk2" accent1="accent1" accent2="accent2" accent3="accent3" accent4="accent4" accent5="accent5" accent6="accent6" hlink="hlink" folHlink="folHlink"/>
   <p:sldLayoutIdLst>
-    <p:sldLayoutId id="2147483649" r:id="rId4"/>
-    <p:sldLayoutId id="2147483650" r:id="rId5"/>
-    <p:sldLayoutId id="2147483651" r:id="rId6"/>
-    <p:sldLayoutId id="2147483652" r:id="rId7"/>
-    <p:sldLayoutId id="2147483653" r:id="rId8"/>
-    <p:sldLayoutId id="2147483654" r:id="rId9"/>
-    <p:sldLayoutId id="2147483655" r:id="rId10"/>
-    <p:sldLayoutId id="2147483656" r:id="rId11"/>
-    <p:sldLayoutId id="2147483657" r:id="rId12"/>
-    <p:sldLayoutId id="2147483658" r:id="rId13"/>
-    <p:sldLayoutId id="2147483659" r:id="rId14"/>
-    <p:sldLayoutId id="2147483660" r:id="rId15"/>
+    <p:sldLayoutId id="2147483649" r:id="rId1"/>
+    <p:sldLayoutId id="2147483650" r:id="rId2"/>
+    <p:sldLayoutId id="2147483651" r:id="rId3"/>
+    <p:sldLayoutId id="2147483652" r:id="rId4"/>
+    <p:sldLayoutId id="2147483653" r:id="rId5"/>
+    <p:sldLayoutId id="2147483654" r:id="rId6"/>
+    <p:sldLayoutId id="2147483655" r:id="rId7"/>
+    <p:sldLayoutId id="2147483656" r:id="rId8"/>
+    <p:sldLayoutId id="2147483657" r:id="rId9"/>
+    <p:sldLayoutId id="2147483658" r:id="rId10"/>
+    <p:sldLayoutId id="2147483659" r:id="rId11"/>
+    <p:sldLayoutId id="2147483660" r:id="rId12"/>
   </p:sldLayoutIdLst>
+  <p:txStyles>
+    <p:titleStyle>
+      <a:lvl1pPr algn="l" defTabSz="914400" rtl="0" eaLnBrk="1" latinLnBrk="0" hangingPunct="1">
+        <a:lnSpc>
+          <a:spcPct val="90000"/>
+        </a:lnSpc>
+        <a:spcBef>
+          <a:spcPct val="0"/>
+        </a:spcBef>
+        <a:buNone/>
+        <a:defRPr sz="4400" kern="1200">
+          <a:solidFill>
+            <a:schemeClr val="tx1"/>
+          </a:solidFill>
+          <a:latin typeface="+mj-lt"/>
+          <a:ea typeface="+mj-ea"/>
+          <a:cs typeface="+mj-cs"/>
+        </a:defRPr>
+      </a:lvl1pPr>
+    </p:titleStyle>
+    <p:bodyStyle>
+      <a:lvl1pPr marL="228600" indent="-228600" algn="l" defTabSz="914400" rtl="0" eaLnBrk="1" latinLnBrk="0" hangingPunct="1">
+        <a:lnSpc>
+          <a:spcPct val="90000"/>
+        </a:lnSpc>
+        <a:spcBef>
+          <a:spcPts val="1000"/>
+        </a:spcBef>
+        <a:buFont typeface="Arial"/>
+        <a:buChar char="•"/>
+        <a:defRPr sz="2800" kern="1200">
+          <a:solidFill>
+            <a:schemeClr val="tx1"/>
+          </a:solidFill>
+          <a:latin typeface="+mn-lt"/>
+          <a:ea typeface="+mn-ea"/>
+          <a:cs typeface="+mn-cs"/>
+        </a:defRPr>
+      </a:lvl1pPr>
+      <a:lvl2pPr marL="685800" indent="-228600" algn="l" defTabSz="914400" rtl="0" eaLnBrk="1" latinLnBrk="0" hangingPunct="1">
+        <a:lnSpc>
+          <a:spcPct val="90000"/>
+        </a:lnSpc>
+        <a:spcBef>
+          <a:spcPts val="500"/>
+        </a:spcBef>
+        <a:buFont typeface="Arial"/>
+        <a:buChar char="•"/>
+        <a:defRPr sz="2400" kern="1200">
+          <a:solidFill>
+            <a:schemeClr val="tx1"/>
+          </a:solidFill>
+          <a:latin typeface="+mn-lt"/>
+          <a:ea typeface="+mn-ea"/>
+          <a:cs typeface="+mn-cs"/>
+        </a:defRPr>
+      </a:lvl2pPr>
+      <a:lvl3pPr marL="1143000" indent="-228600" algn="l" defTabSz="914400" rtl="0" eaLnBrk="1" latinLnBrk="0" hangingPunct="1">
+        <a:lnSpc>
+          <a:spcPct val="90000"/>
+        </a:lnSpc>
+        <a:spcBef>
+          <a:spcPts val="500"/>
+        </a:spcBef>
+        <a:buFont typeface="Arial"/>
+        <a:buChar char="•"/>
+        <a:defRPr sz="2000" kern="1200">
+          <a:solidFill>
+            <a:schemeClr val="tx1"/>
+          </a:solidFill>
+          <a:latin typeface="+mn-lt"/>
+          <a:ea typeface="+mn-ea"/>
+          <a:cs typeface="+mn-cs"/>
+        </a:defRPr>
+      </a:lvl3pPr>
+      <a:lvl4pPr marL="1600200" indent="-228600" algn="l" defTabSz="914400" rtl="0" eaLnBrk="1" latinLnBrk="0" hangingPunct="1">
+        <a:lnSpc>
+          <a:spcPct val="90000"/>
+        </a:lnSpc>
+        <a:spcBef>
+          <a:spcPts val="500"/>
+        </a:spcBef>
+        <a:buFont typeface="Arial"/>
+        <a:buChar char="•"/>
+        <a:defRPr sz="1800" kern="1200">
+          <a:solidFill>
+            <a:schemeClr val="tx1"/>
+          </a:solidFill>
+          <a:latin typeface="+mn-lt"/>
+          <a:ea typeface="+mn-ea"/>
+          <a:cs typeface="+mn-cs"/>
+        </a:defRPr>
+      </a:lvl4pPr>
+      <a:lvl5pPr marL="2057400" indent="-228600" algn="l" defTabSz="914400" rtl="0" eaLnBrk="1" latinLnBrk="0" hangingPunct="1">
+        <a:lnSpc>
+          <a:spcPct val="90000"/>
+        </a:lnSpc>
+        <a:spcBef>
+          <a:spcPts val="500"/>
+        </a:spcBef>
+        <a:buFont typeface="Arial"/>
+        <a:buChar char="•"/>
+        <a:defRPr sz="1800" kern="1200">
+          <a:solidFill>
+            <a:schemeClr val="tx1"/>
+          </a:solidFill>
+          <a:latin typeface="+mn-lt"/>
+          <a:ea typeface="+mn-ea"/>
+          <a:cs typeface="+mn-cs"/>
+        </a:defRPr>
+      </a:lvl5pPr>
+      <a:lvl6pPr marL="2514600" indent="-228600" algn="l" defTabSz="914400" rtl="0" eaLnBrk="1" latinLnBrk="0" hangingPunct="1">
+        <a:lnSpc>
+          <a:spcPct val="90000"/>
+        </a:lnSpc>
+        <a:spcBef>
+          <a:spcPts val="500"/>
+        </a:spcBef>
+        <a:buFont typeface="Arial"/>
+        <a:buChar char="•"/>
+        <a:defRPr sz="1800" kern="1200">
+          <a:solidFill>
+            <a:schemeClr val="tx1"/>
+          </a:solidFill>
+          <a:latin typeface="+mn-lt"/>
+          <a:ea typeface="+mn-ea"/>
+          <a:cs typeface="+mn-cs"/>
+        </a:defRPr>
+      </a:lvl6pPr>
+      <a:lvl7pPr marL="2971800" indent="-228600" algn="l" defTabSz="914400" rtl="0" eaLnBrk="1" latinLnBrk="0" hangingPunct="1">
+        <a:lnSpc>
+          <a:spcPct val="90000"/>
+        </a:lnSpc>
+        <a:spcBef>
+          <a:spcPts val="500"/>
+        </a:spcBef>
+        <a:buFont typeface="Arial"/>
+        <a:buChar char="•"/>
+        <a:defRPr sz="1800" kern="1200">
+          <a:solidFill>
+            <a:schemeClr val="tx1"/>
+          </a:solidFill>
+          <a:latin typeface="+mn-lt"/>
+          <a:ea typeface="+mn-ea"/>
+          <a:cs typeface="+mn-cs"/>
+        </a:defRPr>
+      </a:lvl7pPr>
+      <a:lvl8pPr marL="3429000" indent="-228600" algn="l" defTabSz="914400" rtl="0" eaLnBrk="1" latinLnBrk="0" hangingPunct="1">
+        <a:lnSpc>
+          <a:spcPct val="90000"/>
+        </a:lnSpc>
+        <a:spcBef>
+          <a:spcPts val="500"/>
+        </a:spcBef>
+        <a:buFont typeface="Arial"/>
+        <a:buChar char="•"/>
+        <a:defRPr sz="1800" kern="1200">
+          <a:solidFill>
+            <a:schemeClr val="tx1"/>
+          </a:solidFill>
+          <a:latin typeface="+mn-lt"/>
+          <a:ea typeface="+mn-ea"/>
+          <a:cs typeface="+mn-cs"/>
+        </a:defRPr>
+      </a:lvl8pPr>
+      <a:lvl9pPr marL="3886200" indent="-228600" algn="l" defTabSz="914400" rtl="0" eaLnBrk="1" latinLnBrk="0" hangingPunct="1">
+        <a:lnSpc>
+          <a:spcPct val="90000"/>
+        </a:lnSpc>
+        <a:spcBef>
+          <a:spcPts val="500"/>
+        </a:spcBef>
+        <a:buFont typeface="Arial"/>
+        <a:buChar char="•"/>
+        <a:defRPr sz="1800" kern="1200">
+          <a:solidFill>
+            <a:schemeClr val="tx1"/>
+          </a:solidFill>
+          <a:latin typeface="+mn-lt"/>
+          <a:ea typeface="+mn-ea"/>
+          <a:cs typeface="+mn-cs"/>
+        </a:defRPr>
+      </a:lvl9pPr>
+    </p:bodyStyle>
+    <p:otherStyle>
+      <a:defPPr>
+        <a:defRPr lang="en-US"/>
+      </a:defPPr>
+      <a:lvl1pPr marL="0" algn="l" defTabSz="914400" rtl="0" eaLnBrk="1" latinLnBrk="0" hangingPunct="1">
+        <a:defRPr sz="1800" kern="1200">
+          <a:solidFill>
+            <a:schemeClr val="tx1"/>
+          </a:solidFill>
+          <a:latin typeface="+mn-lt"/>
+          <a:ea typeface="+mn-ea"/>
+          <a:cs typeface="+mn-cs"/>
+        </a:defRPr>
+      </a:lvl1pPr>
+      <a:lvl2pPr marL="457200" algn="l" defTabSz="914400" rtl="0" eaLnBrk="1" latinLnBrk="0" hangingPunct="1">
+        <a:defRPr sz="1800" kern="1200">
+          <a:solidFill>
+            <a:schemeClr val="tx1"/>
+          </a:solidFill>
+          <a:latin typeface="+mn-lt"/>
+          <a:ea typeface="+mn-ea"/>
+          <a:cs typeface="+mn-cs"/>
+        </a:defRPr>
+      </a:lvl2pPr>
+      <a:lvl3pPr marL="914400" algn="l" defTabSz="914400" rtl="0" eaLnBrk="1" latinLnBrk="0" hangingPunct="1">
+        <a:defRPr sz="1800" kern="1200">
+          <a:solidFill>
+            <a:schemeClr val="tx1"/>
+          </a:solidFill>
+          <a:latin typeface="+mn-lt"/>
+          <a:ea typeface="+mn-ea"/>
+          <a:cs typeface="+mn-cs"/>
+        </a:defRPr>
+      </a:lvl3pPr>
+      <a:lvl4pPr marL="1371600" algn="l" defTabSz="914400" rtl="0" eaLnBrk="1" latinLnBrk="0" hangingPunct="1">
+        <a:defRPr sz="1800" kern="1200">
+          <a:solidFill>
+            <a:schemeClr val="tx1"/>
+          </a:solidFill>
+          <a:latin typeface="+mn-lt"/>
+          <a:ea typeface="+mn-ea"/>
+          <a:cs typeface="+mn-cs"/>
+        </a:defRPr>
+      </a:lvl4pPr>
+      <a:lvl5pPr marL="1828800" algn="l" defTabSz="914400" rtl="0" eaLnBrk="1" latinLnBrk="0" hangingPunct="1">
+        <a:defRPr sz="1800" kern="1200">
+          <a:solidFill>
+            <a:schemeClr val="tx1"/>
+          </a:solidFill>
+          <a:latin typeface="+mn-lt"/>
+          <a:ea typeface="+mn-ea"/>
+          <a:cs typeface="+mn-cs"/>
+        </a:defRPr>
+      </a:lvl5pPr>
+      <a:lvl6pPr marL="2286000" algn="l" defTabSz="914400" rtl="0" eaLnBrk="1" latinLnBrk="0" hangingPunct="1">
+        <a:defRPr sz="1800" kern="1200">
+          <a:solidFill>
+            <a:schemeClr val="tx1"/>
+          </a:solidFill>
+          <a:latin typeface="+mn-lt"/>
+          <a:ea typeface="+mn-ea"/>
+          <a:cs typeface="+mn-cs"/>
+        </a:defRPr>
+      </a:lvl6pPr>
+      <a:lvl7pPr marL="2743200" algn="l" defTabSz="914400" rtl="0" eaLnBrk="1" latinLnBrk="0" hangingPunct="1">
+        <a:defRPr sz="1800" kern="1200">
+          <a:solidFill>
+            <a:schemeClr val="tx1"/>
+          </a:solidFill>
+          <a:latin typeface="+mn-lt"/>
+          <a:ea typeface="+mn-ea"/>
+          <a:cs typeface="+mn-cs"/>
+        </a:defRPr>
+      </a:lvl7pPr>
+      <a:lvl8pPr marL="3200400" algn="l" defTabSz="914400" rtl="0" eaLnBrk="1" latinLnBrk="0" hangingPunct="1">
+        <a:defRPr sz="1800" kern="1200">
+          <a:solidFill>
+            <a:schemeClr val="tx1"/>
+          </a:solidFill>
+          <a:latin typeface="+mn-lt"/>
+          <a:ea typeface="+mn-ea"/>
+          <a:cs typeface="+mn-cs"/>
+        </a:defRPr>
+      </a:lvl8pPr>
+      <a:lvl9pPr marL="3657600" algn="l" defTabSz="914400" rtl="0" eaLnBrk="1" latinLnBrk="0" hangingPunct="1">
+        <a:defRPr sz="1800" kern="1200">
+          <a:solidFill>
+            <a:schemeClr val="tx1"/>
+          </a:solidFill>
+          <a:latin typeface="+mn-lt"/>
+          <a:ea typeface="+mn-ea"/>
+          <a:cs typeface="+mn-cs"/>
+        </a:defRPr>
+      </a:lvl9pPr>
+    </p:otherStyle>
+  </p:txStyles>
 </p:sldMaster>
 </file>
 
 <file path=ppt/slides/slide1.xml><?xml version="1.0" encoding="utf-8"?>
-<p:sld xmlns:a="http://schemas.openxmlformats.org/drawingml/2006/main" xmlns:p="http://schemas.openxmlformats.org/presentationml/2006/main" xmlns:r="http://schemas.openxmlformats.org/officeDocument/2006/relationships">
+<p:sld xmlns:a="http://schemas.openxmlformats.org/drawingml/2006/main" xmlns:r="http://schemas.openxmlformats.org/officeDocument/2006/relationships" xmlns:p="http://schemas.openxmlformats.org/presentationml/2006/main">
   <p:cSld>
     <p:spTree>
       <p:nvGrpSpPr>
@@ -1743,6 +2306,7 @@
         </p:spPr>
         <p:txBody>
           <a:bodyPr anchor="ctr"/>
+          <a:lstStyle/>
           <a:p>
             <a:pPr algn="ctr">
               <a:lnSpc>
@@ -1779,6 +2343,7 @@
         </p:spPr>
         <p:txBody>
           <a:bodyPr anchor="ctr" anchorCtr="1"/>
+          <a:lstStyle/>
           <a:p>
             <a:endParaRPr/>
           </a:p>
@@ -1786,57 +2351,7 @@
       </p:sp>
       <p:pic>
         <p:nvPicPr>
-          <p:cNvPr descr="" id="45" name="Picture 2"/>
-          <p:cNvPicPr/>
-          <p:nvPr/>
-        </p:nvPicPr>
-        <p:blipFill>
-          <a:blip r:embed="rId1"/>
-          <a:stretch>
-            <a:fillRect/>
-          </a:stretch>
-        </p:blipFill>
-        <p:spPr>
-          <a:xfrm>
-            <a:off x="3200400" y="1219320"/>
-            <a:ext cx="3531960" cy="1371240"/>
-          </a:xfrm>
-          <a:prstGeom prst="rect">
-            <a:avLst/>
-          </a:prstGeom>
-          <a:ln>
-            <a:noFill/>
-          </a:ln>
-        </p:spPr>
-      </p:pic>
-      <p:pic>
-        <p:nvPicPr>
-          <p:cNvPr descr="" id="46" name="Picture 3"/>
-          <p:cNvPicPr/>
-          <p:nvPr/>
-        </p:nvPicPr>
-        <p:blipFill>
-          <a:blip r:embed="rId2"/>
-          <a:stretch>
-            <a:fillRect/>
-          </a:stretch>
-        </p:blipFill>
-        <p:spPr>
-          <a:xfrm>
-            <a:off x="1905120" y="3352680"/>
-            <a:ext cx="2666520" cy="2729160"/>
-          </a:xfrm>
-          <a:prstGeom prst="rect">
-            <a:avLst/>
-          </a:prstGeom>
-          <a:ln>
-            <a:noFill/>
-          </a:ln>
-        </p:spPr>
-      </p:pic>
-      <p:pic>
-        <p:nvPicPr>
-          <p:cNvPr descr="" id="47" name="Picture 4"/>
+          <p:cNvPr id="45" name="Picture 2"/>
           <p:cNvPicPr/>
           <p:nvPr/>
         </p:nvPicPr>
@@ -1848,6 +2363,56 @@
         </p:blipFill>
         <p:spPr>
           <a:xfrm>
+            <a:off x="3189249" y="1219320"/>
+            <a:ext cx="3531960" cy="1371240"/>
+          </a:xfrm>
+          <a:prstGeom prst="rect">
+            <a:avLst/>
+          </a:prstGeom>
+          <a:ln>
+            <a:noFill/>
+          </a:ln>
+        </p:spPr>
+      </p:pic>
+      <p:pic>
+        <p:nvPicPr>
+          <p:cNvPr id="46" name="Picture 3"/>
+          <p:cNvPicPr/>
+          <p:nvPr/>
+        </p:nvPicPr>
+        <p:blipFill>
+          <a:blip r:embed="rId4"/>
+          <a:stretch>
+            <a:fillRect/>
+          </a:stretch>
+        </p:blipFill>
+        <p:spPr>
+          <a:xfrm>
+            <a:off x="1905120" y="3352680"/>
+            <a:ext cx="2666520" cy="2729160"/>
+          </a:xfrm>
+          <a:prstGeom prst="rect">
+            <a:avLst/>
+          </a:prstGeom>
+          <a:ln>
+            <a:noFill/>
+          </a:ln>
+        </p:spPr>
+      </p:pic>
+      <p:pic>
+        <p:nvPicPr>
+          <p:cNvPr id="47" name="Picture 4"/>
+          <p:cNvPicPr/>
+          <p:nvPr/>
+        </p:nvPicPr>
+        <p:blipFill>
+          <a:blip r:embed="rId5"/>
+          <a:stretch>
+            <a:fillRect/>
+          </a:stretch>
+        </p:blipFill>
+        <p:spPr>
+          <a:xfrm>
             <a:off x="5638680" y="3200400"/>
             <a:ext cx="3033360" cy="2945160"/>
           </a:xfrm>
@@ -1879,7 +2444,8 @@
           </a:ln>
         </p:spPr>
         <p:txBody>
-          <a:bodyPr bIns="45000" lIns="90000" rIns="90000" tIns="45000"/>
+          <a:bodyPr lIns="90000" tIns="45000" rIns="90000" bIns="45000"/>
+          <a:lstStyle/>
           <a:p>
             <a:pPr algn="ctr">
               <a:lnSpc>
@@ -1910,16 +2476,7 @@
                 </a:solidFill>
                 <a:latin typeface="Calibri"/>
               </a:rPr>
-              <a:t> </a:t>
-            </a:r>
-            <a:r>
-              <a:rPr lang="en-US" sz="1200">
-                <a:solidFill>
-                  <a:srgbClr val="000000"/>
-                </a:solidFill>
-                <a:latin typeface="Calibri"/>
-              </a:rPr>
-              <a:t>Creative Commons Attribution-ShareAlike 4.0 International License. </a:t>
+              <a:t> Creative Commons Attribution-ShareAlike 4.0 International License. </a:t>
             </a:r>
             <a:endParaRPr/>
           </a:p>
@@ -1941,10 +2498,10 @@
             <a:r>
               <a:rPr lang="en-US" sz="1200" u="sng">
                 <a:solidFill>
-                  <a:srgbClr val="0000ff"/>
+                  <a:srgbClr val="0000FF"/>
                 </a:solidFill>
                 <a:latin typeface="Calibri"/>
-                <a:hlinkClick r:id="rId4"/>
+                <a:hlinkClick r:id="rId6"/>
               </a:rPr>
               <a:t>http://creativecommons.org/licenses/by-sa/4.0/</a:t>
             </a:r>
@@ -1963,6 +2520,9 @@
       </p:sp>
     </p:spTree>
   </p:cSld>
+  <p:clrMapOvr>
+    <a:masterClrMapping/>
+  </p:clrMapOvr>
 </p:sld>
 </file>
 
@@ -2186,6 +2746,8 @@
       </a:bgFillStyleLst>
     </a:fmtScheme>
   </a:themeElements>
+  <a:objectDefaults/>
+  <a:extraClrSchemeLst/>
 </a:theme>
 </file>
 
@@ -2409,5 +2971,7 @@
       </a:bgFillStyleLst>
     </a:fmtScheme>
   </a:themeElements>
+  <a:objectDefaults/>
+  <a:extraClrSchemeLst/>
 </a:theme>
 </file>